--- a/study/プログラム基礎.pptx
+++ b/study/プログラム基礎.pptx
@@ -14,6 +14,8 @@
     <p:sldId id="263" r:id="rId8"/>
     <p:sldId id="265" r:id="rId9"/>
     <p:sldId id="258" r:id="rId10"/>
+    <p:sldId id="267" r:id="rId11"/>
+    <p:sldId id="266" r:id="rId12"/>
   </p:sldIdLst>
   <p:sldSz cx="12192000" cy="6858000"/>
   <p:notesSz cx="6858000" cy="9144000"/>
@@ -112,6 +114,11 @@
       </a:defRPr>
     </a:lvl9pPr>
   </p:defaultTextStyle>
+  <p:extLst>
+    <p:ext uri="{EFAFB233-063F-42B5-8137-9DF3F51BA10A}">
+      <p15:sldGuideLst xmlns:p15="http://schemas.microsoft.com/office/powerpoint/2012/main"/>
+    </p:ext>
+  </p:extLst>
 </p:presentation>
 </file>
 
@@ -262,7 +269,7 @@
           <a:p>
             <a:fld id="{F8EEAB8B-B4F6-4A29-9ACE-54E0862D74C0}" type="datetimeFigureOut">
               <a:rPr kumimoji="1" lang="ja-JP" altLang="en-US" smtClean="0"/>
-              <a:t>2021/6/8</a:t>
+              <a:t>2021/6/10</a:t>
             </a:fld>
             <a:endParaRPr kumimoji="1" lang="ja-JP" altLang="en-US"/>
           </a:p>
@@ -492,7 +499,7 @@
           <a:p>
             <a:fld id="{F8EEAB8B-B4F6-4A29-9ACE-54E0862D74C0}" type="datetimeFigureOut">
               <a:rPr kumimoji="1" lang="ja-JP" altLang="en-US" smtClean="0"/>
-              <a:t>2021/6/8</a:t>
+              <a:t>2021/6/10</a:t>
             </a:fld>
             <a:endParaRPr kumimoji="1" lang="ja-JP" altLang="en-US"/>
           </a:p>
@@ -732,7 +739,7 @@
           <a:p>
             <a:fld id="{F8EEAB8B-B4F6-4A29-9ACE-54E0862D74C0}" type="datetimeFigureOut">
               <a:rPr kumimoji="1" lang="ja-JP" altLang="en-US" smtClean="0"/>
-              <a:t>2021/6/8</a:t>
+              <a:t>2021/6/10</a:t>
             </a:fld>
             <a:endParaRPr kumimoji="1" lang="ja-JP" altLang="en-US"/>
           </a:p>
@@ -962,7 +969,7 @@
           <a:p>
             <a:fld id="{F8EEAB8B-B4F6-4A29-9ACE-54E0862D74C0}" type="datetimeFigureOut">
               <a:rPr kumimoji="1" lang="ja-JP" altLang="en-US" smtClean="0"/>
-              <a:t>2021/6/8</a:t>
+              <a:t>2021/6/10</a:t>
             </a:fld>
             <a:endParaRPr kumimoji="1" lang="ja-JP" altLang="en-US"/>
           </a:p>
@@ -1237,7 +1244,7 @@
           <a:p>
             <a:fld id="{F8EEAB8B-B4F6-4A29-9ACE-54E0862D74C0}" type="datetimeFigureOut">
               <a:rPr kumimoji="1" lang="ja-JP" altLang="en-US" smtClean="0"/>
-              <a:t>2021/6/8</a:t>
+              <a:t>2021/6/10</a:t>
             </a:fld>
             <a:endParaRPr kumimoji="1" lang="ja-JP" altLang="en-US"/>
           </a:p>
@@ -1566,7 +1573,7 @@
           <a:p>
             <a:fld id="{F8EEAB8B-B4F6-4A29-9ACE-54E0862D74C0}" type="datetimeFigureOut">
               <a:rPr kumimoji="1" lang="ja-JP" altLang="en-US" smtClean="0"/>
-              <a:t>2021/6/8</a:t>
+              <a:t>2021/6/10</a:t>
             </a:fld>
             <a:endParaRPr kumimoji="1" lang="ja-JP" altLang="en-US"/>
           </a:p>
@@ -2042,7 +2049,7 @@
           <a:p>
             <a:fld id="{F8EEAB8B-B4F6-4A29-9ACE-54E0862D74C0}" type="datetimeFigureOut">
               <a:rPr kumimoji="1" lang="ja-JP" altLang="en-US" smtClean="0"/>
-              <a:t>2021/6/8</a:t>
+              <a:t>2021/6/10</a:t>
             </a:fld>
             <a:endParaRPr kumimoji="1" lang="ja-JP" altLang="en-US"/>
           </a:p>
@@ -2183,7 +2190,7 @@
           <a:p>
             <a:fld id="{F8EEAB8B-B4F6-4A29-9ACE-54E0862D74C0}" type="datetimeFigureOut">
               <a:rPr kumimoji="1" lang="ja-JP" altLang="en-US" smtClean="0"/>
-              <a:t>2021/6/8</a:t>
+              <a:t>2021/6/10</a:t>
             </a:fld>
             <a:endParaRPr kumimoji="1" lang="ja-JP" altLang="en-US"/>
           </a:p>
@@ -2296,7 +2303,7 @@
           <a:p>
             <a:fld id="{F8EEAB8B-B4F6-4A29-9ACE-54E0862D74C0}" type="datetimeFigureOut">
               <a:rPr kumimoji="1" lang="ja-JP" altLang="en-US" smtClean="0"/>
-              <a:t>2021/6/8</a:t>
+              <a:t>2021/6/10</a:t>
             </a:fld>
             <a:endParaRPr kumimoji="1" lang="ja-JP" altLang="en-US"/>
           </a:p>
@@ -2639,7 +2646,7 @@
           <a:p>
             <a:fld id="{F8EEAB8B-B4F6-4A29-9ACE-54E0862D74C0}" type="datetimeFigureOut">
               <a:rPr kumimoji="1" lang="ja-JP" altLang="en-US" smtClean="0"/>
-              <a:t>2021/6/8</a:t>
+              <a:t>2021/6/10</a:t>
             </a:fld>
             <a:endParaRPr kumimoji="1" lang="ja-JP" altLang="en-US"/>
           </a:p>
@@ -2927,7 +2934,7 @@
           <a:p>
             <a:fld id="{F8EEAB8B-B4F6-4A29-9ACE-54E0862D74C0}" type="datetimeFigureOut">
               <a:rPr kumimoji="1" lang="ja-JP" altLang="en-US" smtClean="0"/>
-              <a:t>2021/6/8</a:t>
+              <a:t>2021/6/10</a:t>
             </a:fld>
             <a:endParaRPr kumimoji="1" lang="ja-JP" altLang="en-US"/>
           </a:p>
@@ -3200,7 +3207,7 @@
           <a:p>
             <a:fld id="{F8EEAB8B-B4F6-4A29-9ACE-54E0862D74C0}" type="datetimeFigureOut">
               <a:rPr kumimoji="1" lang="ja-JP" altLang="en-US" smtClean="0"/>
-              <a:t>2021/6/8</a:t>
+              <a:t>2021/6/10</a:t>
             </a:fld>
             <a:endParaRPr kumimoji="1" lang="ja-JP" altLang="en-US"/>
           </a:p>
@@ -4137,6 +4144,436 @@
 </p:sld>
 </file>
 
+<file path=ppt/slides/slide10.xml><?xml version="1.0" encoding="utf-8"?>
+<p:sld xmlns:a="http://schemas.openxmlformats.org/drawingml/2006/main" xmlns:r="http://schemas.openxmlformats.org/officeDocument/2006/relationships" xmlns:p="http://schemas.openxmlformats.org/presentationml/2006/main">
+  <p:cSld>
+    <p:spTree>
+      <p:nvGrpSpPr>
+        <p:cNvPr id="1" name=""/>
+        <p:cNvGrpSpPr/>
+        <p:nvPr/>
+      </p:nvGrpSpPr>
+      <p:grpSpPr>
+        <a:xfrm>
+          <a:off x="0" y="0"/>
+          <a:ext cx="0" cy="0"/>
+          <a:chOff x="0" y="0"/>
+          <a:chExt cx="0" cy="0"/>
+        </a:xfrm>
+      </p:grpSpPr>
+      <p:sp>
+        <p:nvSpPr>
+          <p:cNvPr id="2" name="タイトル 1">
+            <a:extLst>
+              <a:ext uri="{FF2B5EF4-FFF2-40B4-BE49-F238E27FC236}">
+                <a16:creationId xmlns:a16="http://schemas.microsoft.com/office/drawing/2014/main" id="{78633075-5A3C-47B7-949A-354A5CEE1BBA}"/>
+              </a:ext>
+            </a:extLst>
+          </p:cNvPr>
+          <p:cNvSpPr>
+            <a:spLocks noGrp="1"/>
+          </p:cNvSpPr>
+          <p:nvPr>
+            <p:ph type="title"/>
+          </p:nvPr>
+        </p:nvSpPr>
+        <p:spPr/>
+        <p:txBody>
+          <a:bodyPr>
+            <a:normAutofit/>
+          </a:bodyPr>
+          <a:lstStyle/>
+          <a:p>
+            <a:r>
+              <a:rPr lang="en-US" altLang="ja-JP" sz="4800" dirty="0" err="1">
+                <a:solidFill>
+                  <a:srgbClr val="000000"/>
+                </a:solidFill>
+                <a:latin typeface="ＭＳ ゴシック" panose="020B0609070205080204" pitchFamily="49" charset="-128"/>
+                <a:ea typeface="ＭＳ ゴシック" panose="020B0609070205080204" pitchFamily="49" charset="-128"/>
+              </a:rPr>
+              <a:t>IEnumerator</a:t>
+            </a:r>
+            <a:r>
+              <a:rPr kumimoji="1" lang="ja-JP" altLang="en-US" sz="3200" dirty="0"/>
+              <a:t>非同期メソッド</a:t>
+            </a:r>
+            <a:endParaRPr kumimoji="1" lang="ja-JP" altLang="en-US" sz="4800" dirty="0"/>
+          </a:p>
+        </p:txBody>
+      </p:sp>
+      <p:sp>
+        <p:nvSpPr>
+          <p:cNvPr id="3" name="コンテンツ プレースホルダー 2">
+            <a:extLst>
+              <a:ext uri="{FF2B5EF4-FFF2-40B4-BE49-F238E27FC236}">
+                <a16:creationId xmlns:a16="http://schemas.microsoft.com/office/drawing/2014/main" id="{9A176FA7-4776-4893-B24C-4426B3E28C88}"/>
+              </a:ext>
+            </a:extLst>
+          </p:cNvPr>
+          <p:cNvSpPr>
+            <a:spLocks noGrp="1"/>
+          </p:cNvSpPr>
+          <p:nvPr>
+            <p:ph idx="1"/>
+          </p:nvPr>
+        </p:nvSpPr>
+        <p:spPr/>
+        <p:txBody>
+          <a:bodyPr>
+            <a:normAutofit lnSpcReduction="10000"/>
+          </a:bodyPr>
+          <a:lstStyle/>
+          <a:p>
+            <a:pPr marL="0" indent="0">
+              <a:buNone/>
+            </a:pPr>
+            <a:r>
+              <a:rPr lang="en-US" altLang="ja-JP" dirty="0"/>
+              <a:t>v</a:t>
+            </a:r>
+            <a:r>
+              <a:rPr kumimoji="1" lang="en-US" altLang="ja-JP" dirty="0"/>
+              <a:t>ar coroutine = </a:t>
+            </a:r>
+            <a:r>
+              <a:rPr kumimoji="1" lang="en-US" altLang="ja-JP" dirty="0" err="1"/>
+              <a:t>aaa</a:t>
+            </a:r>
+            <a:r>
+              <a:rPr kumimoji="1" lang="en-US" altLang="ja-JP" dirty="0"/>
+              <a:t>();		//</a:t>
+            </a:r>
+            <a:r>
+              <a:rPr lang="en-US" altLang="ja-JP" dirty="0" err="1"/>
+              <a:t>IEnumerator</a:t>
+            </a:r>
+            <a:r>
+              <a:rPr lang="ja-JP" altLang="en-US" dirty="0"/>
+              <a:t>メソッド</a:t>
+            </a:r>
+            <a:endParaRPr lang="en-US" altLang="ja-JP" dirty="0"/>
+          </a:p>
+          <a:p>
+            <a:pPr marL="0" indent="0">
+              <a:buNone/>
+            </a:pPr>
+            <a:r>
+              <a:rPr lang="en-US" altLang="ja-JP" dirty="0"/>
+              <a:t>a</a:t>
+            </a:r>
+            <a:r>
+              <a:rPr kumimoji="1" lang="en-US" altLang="ja-JP" dirty="0"/>
+              <a:t>wait coroutine </a:t>
+            </a:r>
+            <a:r>
+              <a:rPr kumimoji="1" lang="en-US" altLang="ja-JP" dirty="0" err="1"/>
+              <a:t>StartCoroutine</a:t>
+            </a:r>
+            <a:r>
+              <a:rPr kumimoji="1" lang="en-US" altLang="ja-JP" dirty="0"/>
+              <a:t>(coroutine);</a:t>
+            </a:r>
+          </a:p>
+          <a:p>
+            <a:pPr marL="0" indent="0">
+              <a:buNone/>
+            </a:pPr>
+            <a:r>
+              <a:rPr lang="en-US" altLang="ja-JP" dirty="0"/>
+              <a:t>String str = </a:t>
+            </a:r>
+            <a:r>
+              <a:rPr lang="en-US" altLang="ja-JP" dirty="0" err="1"/>
+              <a:t>coroutine.Current.ToString</a:t>
+            </a:r>
+            <a:r>
+              <a:rPr lang="en-US" altLang="ja-JP" dirty="0"/>
+              <a:t>();</a:t>
+            </a:r>
+          </a:p>
+          <a:p>
+            <a:pPr marL="0" indent="0">
+              <a:buNone/>
+            </a:pPr>
+            <a:r>
+              <a:rPr kumimoji="1" lang="en-US" altLang="ja-JP" dirty="0" err="1"/>
+              <a:t>Debug.Log</a:t>
+            </a:r>
+            <a:r>
+              <a:rPr kumimoji="1" lang="en-US" altLang="ja-JP" dirty="0"/>
+              <a:t>(str);   //</a:t>
+            </a:r>
+            <a:r>
+              <a:rPr kumimoji="1" lang="ja-JP" altLang="en-US" dirty="0"/>
+              <a:t>出力：あああ</a:t>
+            </a:r>
+            <a:endParaRPr kumimoji="1" lang="en-US" altLang="ja-JP" dirty="0"/>
+          </a:p>
+          <a:p>
+            <a:pPr marL="0" indent="0">
+              <a:buNone/>
+            </a:pPr>
+            <a:r>
+              <a:rPr kumimoji="1" lang="en-US" altLang="ja-JP" dirty="0"/>
+              <a:t>****************************************************</a:t>
+            </a:r>
+          </a:p>
+          <a:p>
+            <a:pPr marL="0" indent="0">
+              <a:buNone/>
+            </a:pPr>
+            <a:r>
+              <a:rPr lang="en-US" altLang="ja-JP" dirty="0"/>
+              <a:t>public static </a:t>
+            </a:r>
+            <a:r>
+              <a:rPr lang="en-US" altLang="ja-JP" dirty="0" err="1"/>
+              <a:t>IEnumerator</a:t>
+            </a:r>
+            <a:r>
+              <a:rPr lang="en-US" altLang="ja-JP" dirty="0"/>
+              <a:t> </a:t>
+            </a:r>
+            <a:r>
+              <a:rPr lang="en-US" altLang="ja-JP" dirty="0" err="1"/>
+              <a:t>aaa</a:t>
+            </a:r>
+            <a:r>
+              <a:rPr lang="en-US" altLang="ja-JP" dirty="0"/>
+              <a:t>()</a:t>
+            </a:r>
+          </a:p>
+          <a:p>
+            <a:pPr marL="0" indent="0">
+              <a:buNone/>
+            </a:pPr>
+            <a:r>
+              <a:rPr lang="en-US" altLang="ja-JP" dirty="0"/>
+              <a:t>{</a:t>
+            </a:r>
+          </a:p>
+          <a:p>
+            <a:pPr marL="0" indent="0">
+              <a:buNone/>
+            </a:pPr>
+            <a:r>
+              <a:rPr lang="en-US" altLang="ja-JP" dirty="0"/>
+              <a:t>	yield return “</a:t>
+            </a:r>
+            <a:r>
+              <a:rPr lang="ja-JP" altLang="en-US" dirty="0"/>
+              <a:t>あああ</a:t>
+            </a:r>
+            <a:r>
+              <a:rPr lang="en-US" altLang="ja-JP" dirty="0"/>
+              <a:t>”;</a:t>
+            </a:r>
+          </a:p>
+          <a:p>
+            <a:pPr marL="0" indent="0">
+              <a:buNone/>
+            </a:pPr>
+            <a:r>
+              <a:rPr lang="en-US" altLang="ja-JP" dirty="0"/>
+              <a:t>}</a:t>
+            </a:r>
+            <a:endParaRPr kumimoji="1" lang="ja-JP" altLang="en-US" dirty="0"/>
+          </a:p>
+        </p:txBody>
+      </p:sp>
+    </p:spTree>
+    <p:extLst>
+      <p:ext uri="{BB962C8B-B14F-4D97-AF65-F5344CB8AC3E}">
+        <p14:creationId xmlns:p14="http://schemas.microsoft.com/office/powerpoint/2010/main" val="2113375377"/>
+      </p:ext>
+    </p:extLst>
+  </p:cSld>
+  <p:clrMapOvr>
+    <a:masterClrMapping/>
+  </p:clrMapOvr>
+</p:sld>
+</file>
+
+<file path=ppt/slides/slide11.xml><?xml version="1.0" encoding="utf-8"?>
+<p:sld xmlns:a="http://schemas.openxmlformats.org/drawingml/2006/main" xmlns:r="http://schemas.openxmlformats.org/officeDocument/2006/relationships" xmlns:p="http://schemas.openxmlformats.org/presentationml/2006/main">
+  <p:cSld>
+    <p:spTree>
+      <p:nvGrpSpPr>
+        <p:cNvPr id="1" name=""/>
+        <p:cNvGrpSpPr/>
+        <p:nvPr/>
+      </p:nvGrpSpPr>
+      <p:grpSpPr>
+        <a:xfrm>
+          <a:off x="0" y="0"/>
+          <a:ext cx="0" cy="0"/>
+          <a:chOff x="0" y="0"/>
+          <a:chExt cx="0" cy="0"/>
+        </a:xfrm>
+      </p:grpSpPr>
+      <p:sp>
+        <p:nvSpPr>
+          <p:cNvPr id="2" name="タイトル 1">
+            <a:extLst>
+              <a:ext uri="{FF2B5EF4-FFF2-40B4-BE49-F238E27FC236}">
+                <a16:creationId xmlns:a16="http://schemas.microsoft.com/office/drawing/2014/main" id="{DE268256-DCAD-4A31-A880-BA50179AC2B4}"/>
+              </a:ext>
+            </a:extLst>
+          </p:cNvPr>
+          <p:cNvSpPr>
+            <a:spLocks noGrp="1"/>
+          </p:cNvSpPr>
+          <p:nvPr>
+            <p:ph type="title"/>
+          </p:nvPr>
+        </p:nvSpPr>
+        <p:spPr/>
+        <p:txBody>
+          <a:bodyPr/>
+          <a:lstStyle/>
+          <a:p>
+            <a:r>
+              <a:rPr kumimoji="1" lang="en-US" altLang="ja-JP" dirty="0"/>
+              <a:t>Using </a:t>
+            </a:r>
+            <a:r>
+              <a:rPr kumimoji="1" lang="en-US" altLang="ja-JP" dirty="0" err="1"/>
+              <a:t>UniRx</a:t>
+            </a:r>
+            <a:r>
+              <a:rPr kumimoji="1" lang="en-US" altLang="ja-JP" dirty="0"/>
+              <a:t> (</a:t>
+            </a:r>
+            <a:r>
+              <a:rPr kumimoji="1" lang="ja-JP" altLang="en-US" dirty="0"/>
+              <a:t>同期</a:t>
+            </a:r>
+            <a:r>
+              <a:rPr lang="ja-JP" altLang="en-US" dirty="0"/>
+              <a:t>させる</a:t>
+            </a:r>
+            <a:r>
+              <a:rPr kumimoji="1" lang="en-US" altLang="ja-JP" dirty="0"/>
+              <a:t>)</a:t>
+            </a:r>
+            <a:endParaRPr kumimoji="1" lang="ja-JP" altLang="en-US" dirty="0"/>
+          </a:p>
+        </p:txBody>
+      </p:sp>
+      <p:sp>
+        <p:nvSpPr>
+          <p:cNvPr id="3" name="コンテンツ プレースホルダー 2">
+            <a:extLst>
+              <a:ext uri="{FF2B5EF4-FFF2-40B4-BE49-F238E27FC236}">
+                <a16:creationId xmlns:a16="http://schemas.microsoft.com/office/drawing/2014/main" id="{1AF0885E-5440-4C4B-9177-FEDF574E473F}"/>
+              </a:ext>
+            </a:extLst>
+          </p:cNvPr>
+          <p:cNvSpPr>
+            <a:spLocks noGrp="1"/>
+          </p:cNvSpPr>
+          <p:nvPr>
+            <p:ph idx="1"/>
+          </p:nvPr>
+        </p:nvSpPr>
+        <p:spPr/>
+        <p:txBody>
+          <a:bodyPr/>
+          <a:lstStyle/>
+          <a:p>
+            <a:pPr marL="0" indent="0">
+              <a:buNone/>
+            </a:pPr>
+            <a:r>
+              <a:rPr lang="en-US" altLang="ja-JP" dirty="0"/>
+              <a:t>Public async </a:t>
+            </a:r>
+            <a:r>
+              <a:rPr lang="en-US" altLang="ja-JP" dirty="0" err="1"/>
+              <a:t>hoge</a:t>
+            </a:r>
+            <a:r>
+              <a:rPr lang="en-US" altLang="ja-JP" dirty="0"/>
+              <a:t>(){</a:t>
+            </a:r>
+          </a:p>
+          <a:p>
+            <a:pPr marL="0" indent="0">
+              <a:buNone/>
+            </a:pPr>
+            <a:r>
+              <a:rPr kumimoji="1" lang="en-US" altLang="ja-JP" dirty="0"/>
+              <a:t> await Coroutine(coroutine);</a:t>
+            </a:r>
+          </a:p>
+          <a:p>
+            <a:pPr marL="0" indent="0">
+              <a:buNone/>
+            </a:pPr>
+            <a:endParaRPr lang="en-US" altLang="ja-JP" dirty="0"/>
+          </a:p>
+          <a:p>
+            <a:pPr marL="0" indent="0">
+              <a:buNone/>
+            </a:pPr>
+            <a:r>
+              <a:rPr lang="en-US" altLang="ja-JP" dirty="0"/>
+              <a:t>a</a:t>
+            </a:r>
+            <a:r>
+              <a:rPr kumimoji="1" lang="en-US" altLang="ja-JP" dirty="0"/>
+              <a:t>wait </a:t>
+            </a:r>
+            <a:r>
+              <a:rPr kumimoji="1" lang="ja-JP" altLang="en-US" dirty="0"/>
+              <a:t>（</a:t>
+            </a:r>
+            <a:r>
+              <a:rPr kumimoji="1" lang="en-US" altLang="ja-JP" dirty="0" err="1"/>
+              <a:t>hoge</a:t>
+            </a:r>
+            <a:r>
+              <a:rPr kumimoji="1" lang="ja-JP" altLang="en-US" dirty="0"/>
+              <a:t>メソッド）</a:t>
+            </a:r>
+            <a:endParaRPr lang="en-US" altLang="ja-JP" dirty="0"/>
+          </a:p>
+          <a:p>
+            <a:pPr marL="0" indent="0">
+              <a:buNone/>
+            </a:pPr>
+            <a:endParaRPr kumimoji="1" lang="en-US" altLang="ja-JP" dirty="0"/>
+          </a:p>
+          <a:p>
+            <a:pPr marL="0" indent="0">
+              <a:buNone/>
+            </a:pPr>
+            <a:r>
+              <a:rPr lang="en-US" altLang="ja-JP" dirty="0"/>
+              <a:t>Hoge</a:t>
+            </a:r>
+            <a:r>
+              <a:rPr lang="ja-JP" altLang="en-US" dirty="0"/>
+              <a:t>の処理が終わるまで待つ</a:t>
+            </a:r>
+            <a:endParaRPr kumimoji="1" lang="ja-JP" altLang="en-US" dirty="0"/>
+          </a:p>
+        </p:txBody>
+      </p:sp>
+    </p:spTree>
+    <p:extLst>
+      <p:ext uri="{BB962C8B-B14F-4D97-AF65-F5344CB8AC3E}">
+        <p14:creationId xmlns:p14="http://schemas.microsoft.com/office/powerpoint/2010/main" val="1966174504"/>
+      </p:ext>
+    </p:extLst>
+  </p:cSld>
+  <p:clrMapOvr>
+    <a:masterClrMapping/>
+  </p:clrMapOvr>
+</p:sld>
+</file>
+
 <file path=ppt/slides/slide2.xml><?xml version="1.0" encoding="utf-8"?>
 <p:sld xmlns:a="http://schemas.openxmlformats.org/drawingml/2006/main" xmlns:r="http://schemas.openxmlformats.org/officeDocument/2006/relationships" xmlns:p="http://schemas.openxmlformats.org/presentationml/2006/main">
   <p:cSld>
